--- a/Neagu_Andrei-Cosmin_Prezentare_Proiect_Curs_TV_BDTS_505.pptx
+++ b/Neagu_Andrei-Cosmin_Prezentare_Proiect_Curs_TV_BDTS_505.pptx
@@ -16,6 +16,7 @@
     <p:sldId id="265" r:id="rId10"/>
     <p:sldId id="266" r:id="rId11"/>
     <p:sldId id="262" r:id="rId12"/>
+    <p:sldId id="267" r:id="rId13"/>
   </p:sldIdLst>
   <p:sldSz cx="12192000" cy="6858000"/>
   <p:notesSz cx="6858000" cy="9144000"/>
@@ -4803,6 +4804,486 @@
 </p:sld>
 </file>
 
+<file path=ppt/slides/slide12.xml><?xml version="1.0" encoding="utf-8"?>
+<p:sld xmlns:a="http://schemas.openxmlformats.org/drawingml/2006/main" xmlns:r="http://schemas.openxmlformats.org/officeDocument/2006/relationships" xmlns:p="http://schemas.openxmlformats.org/presentationml/2006/main">
+  <p:cSld>
+    <p:bg>
+      <p:bgPr>
+        <a:solidFill>
+          <a:schemeClr val="bg1"/>
+        </a:solidFill>
+        <a:effectLst/>
+      </p:bgPr>
+    </p:bg>
+    <p:spTree>
+      <p:nvGrpSpPr>
+        <p:cNvPr id="1" name=""/>
+        <p:cNvGrpSpPr/>
+        <p:nvPr/>
+      </p:nvGrpSpPr>
+      <p:grpSpPr>
+        <a:xfrm>
+          <a:off x="0" y="0"/>
+          <a:ext cx="0" cy="0"/>
+          <a:chOff x="0" y="0"/>
+          <a:chExt cx="0" cy="0"/>
+        </a:xfrm>
+      </p:grpSpPr>
+      <p:sp useBgFill="1">
+        <p:nvSpPr>
+          <p:cNvPr id="8" name="Rectangle 7">
+            <a:extLst>
+              <a:ext uri="{FF2B5EF4-FFF2-40B4-BE49-F238E27FC236}">
+                <a16:creationId xmlns:a16="http://schemas.microsoft.com/office/drawing/2014/main" id="{C7FA33FF-088D-4F16-95A2-2C64D353DEA8}"/>
+              </a:ext>
+              <a:ext uri="{C183D7F6-B498-43B3-948B-1728B52AA6E4}">
+                <adec:decorative xmlns:adec="http://schemas.microsoft.com/office/drawing/2017/decorative" val="1"/>
+              </a:ext>
+            </a:extLst>
+          </p:cNvPr>
+          <p:cNvSpPr>
+            <a:spLocks noGrp="1" noRot="1" noChangeAspect="1" noMove="1" noResize="1" noEditPoints="1" noAdjustHandles="1" noChangeArrowheads="1" noChangeShapeType="1" noTextEdit="1"/>
+          </p:cNvSpPr>
+          <p:nvPr>
+            <p:extLst>
+              <p:ext uri="{386F3935-93C4-4BCD-93E2-E3B085C9AB24}">
+                <p16:designElem xmlns:p16="http://schemas.microsoft.com/office/powerpoint/2015/main" val="1"/>
+              </p:ext>
+            </p:extLst>
+          </p:nvPr>
+        </p:nvSpPr>
+        <p:spPr>
+          <a:xfrm>
+            <a:off x="1524" y="0"/>
+            <a:ext cx="12188952" cy="6858000"/>
+          </a:xfrm>
+          <a:prstGeom prst="rect">
+            <a:avLst/>
+          </a:prstGeom>
+          <a:ln>
+            <a:noFill/>
+          </a:ln>
+        </p:spPr>
+        <p:style>
+          <a:lnRef idx="2">
+            <a:schemeClr val="accent1">
+              <a:shade val="50000"/>
+            </a:schemeClr>
+          </a:lnRef>
+          <a:fillRef idx="1">
+            <a:schemeClr val="accent1"/>
+          </a:fillRef>
+          <a:effectRef idx="0">
+            <a:schemeClr val="accent1"/>
+          </a:effectRef>
+          <a:fontRef idx="minor">
+            <a:schemeClr val="lt1"/>
+          </a:fontRef>
+        </p:style>
+        <p:txBody>
+          <a:bodyPr rtlCol="0" anchor="ctr"/>
+          <a:lstStyle/>
+          <a:p>
+            <a:pPr marL="0" marR="0" lvl="0" indent="0" algn="ctr" defTabSz="914400" rtl="0" eaLnBrk="1" fontAlgn="auto" latinLnBrk="0" hangingPunct="1">
+              <a:lnSpc>
+                <a:spcPct val="100000"/>
+              </a:lnSpc>
+              <a:spcBef>
+                <a:spcPts val="0"/>
+              </a:spcBef>
+              <a:spcAft>
+                <a:spcPts val="0"/>
+              </a:spcAft>
+              <a:buClrTx/>
+              <a:buSzTx/>
+              <a:buFontTx/>
+              <a:buNone/>
+              <a:tabLst/>
+              <a:defRPr/>
+            </a:pPr>
+            <a:endParaRPr kumimoji="0" lang="en-US" sz="1800" b="0" i="0" u="none" strike="noStrike" kern="1200" cap="none" spc="0" normalizeH="0" baseline="0" noProof="0">
+              <a:ln>
+                <a:noFill/>
+              </a:ln>
+              <a:solidFill>
+                <a:prstClr val="white"/>
+              </a:solidFill>
+              <a:effectLst/>
+              <a:uLnTx/>
+              <a:uFillTx/>
+              <a:latin typeface="Calibri" panose="020F0502020204030204"/>
+              <a:ea typeface="+mn-ea"/>
+              <a:cs typeface="+mn-cs"/>
+            </a:endParaRPr>
+          </a:p>
+        </p:txBody>
+      </p:sp>
+      <p:sp>
+        <p:nvSpPr>
+          <p:cNvPr id="10" name="Rectangle 9">
+            <a:extLst>
+              <a:ext uri="{FF2B5EF4-FFF2-40B4-BE49-F238E27FC236}">
+                <a16:creationId xmlns:a16="http://schemas.microsoft.com/office/drawing/2014/main" id="{A376EFB1-01CF-419F-ABF1-2AF02BBFCBD1}"/>
+              </a:ext>
+              <a:ext uri="{C183D7F6-B498-43B3-948B-1728B52AA6E4}">
+                <adec:decorative xmlns:adec="http://schemas.microsoft.com/office/drawing/2017/decorative" val="1"/>
+              </a:ext>
+            </a:extLst>
+          </p:cNvPr>
+          <p:cNvSpPr>
+            <a:spLocks noGrp="1" noRot="1" noChangeAspect="1" noMove="1" noResize="1" noEditPoints="1" noAdjustHandles="1" noChangeArrowheads="1" noChangeShapeType="1" noTextEdit="1"/>
+          </p:cNvSpPr>
+          <p:nvPr>
+            <p:extLst>
+              <p:ext uri="{386F3935-93C4-4BCD-93E2-E3B085C9AB24}">
+                <p16:designElem xmlns:p16="http://schemas.microsoft.com/office/powerpoint/2015/main" val="1"/>
+              </p:ext>
+            </p:extLst>
+          </p:nvPr>
+        </p:nvSpPr>
+        <p:spPr>
+          <a:xfrm>
+            <a:off x="0" y="0"/>
+            <a:ext cx="4709160" cy="6858000"/>
+          </a:xfrm>
+          <a:prstGeom prst="rect">
+            <a:avLst/>
+          </a:prstGeom>
+          <a:solidFill>
+            <a:schemeClr val="tx1">
+              <a:alpha val="81000"/>
+            </a:schemeClr>
+          </a:solidFill>
+          <a:ln>
+            <a:noFill/>
+          </a:ln>
+        </p:spPr>
+        <p:style>
+          <a:lnRef idx="2">
+            <a:schemeClr val="accent1">
+              <a:shade val="50000"/>
+            </a:schemeClr>
+          </a:lnRef>
+          <a:fillRef idx="1">
+            <a:schemeClr val="accent1"/>
+          </a:fillRef>
+          <a:effectRef idx="0">
+            <a:schemeClr val="accent1"/>
+          </a:effectRef>
+          <a:fontRef idx="minor">
+            <a:schemeClr val="lt1"/>
+          </a:fontRef>
+        </p:style>
+        <p:txBody>
+          <a:bodyPr rtlCol="0" anchor="ctr"/>
+          <a:lstStyle/>
+          <a:p>
+            <a:pPr marL="0" marR="0" lvl="0" indent="0" algn="ctr" defTabSz="914400" rtl="0" eaLnBrk="1" fontAlgn="auto" latinLnBrk="0" hangingPunct="1">
+              <a:lnSpc>
+                <a:spcPct val="100000"/>
+              </a:lnSpc>
+              <a:spcBef>
+                <a:spcPts val="0"/>
+              </a:spcBef>
+              <a:spcAft>
+                <a:spcPts val="0"/>
+              </a:spcAft>
+              <a:buClrTx/>
+              <a:buSzTx/>
+              <a:buFontTx/>
+              <a:buNone/>
+              <a:tabLst/>
+              <a:defRPr/>
+            </a:pPr>
+            <a:endParaRPr kumimoji="0" lang="en-US" sz="1800" b="0" i="0" u="none" strike="noStrike" kern="1200" cap="none" spc="0" normalizeH="0" baseline="0" noProof="0">
+              <a:ln>
+                <a:noFill/>
+              </a:ln>
+              <a:solidFill>
+                <a:prstClr val="white"/>
+              </a:solidFill>
+              <a:effectLst/>
+              <a:uLnTx/>
+              <a:uFillTx/>
+              <a:latin typeface="Calibri" panose="020F0502020204030204"/>
+              <a:ea typeface="+mn-ea"/>
+              <a:cs typeface="+mn-cs"/>
+            </a:endParaRPr>
+          </a:p>
+        </p:txBody>
+      </p:sp>
+      <p:sp>
+        <p:nvSpPr>
+          <p:cNvPr id="12" name="Freeform: Shape 11">
+            <a:extLst>
+              <a:ext uri="{FF2B5EF4-FFF2-40B4-BE49-F238E27FC236}">
+                <a16:creationId xmlns:a16="http://schemas.microsoft.com/office/drawing/2014/main" id="{FF9DEA15-78BD-4750-AA18-B9F28A6D5AB8}"/>
+              </a:ext>
+              <a:ext uri="{C183D7F6-B498-43B3-948B-1728B52AA6E4}">
+                <adec:decorative xmlns:adec="http://schemas.microsoft.com/office/drawing/2017/decorative" val="1"/>
+              </a:ext>
+            </a:extLst>
+          </p:cNvPr>
+          <p:cNvSpPr>
+            <a:spLocks noGrp="1" noRot="1" noChangeAspect="1" noMove="1" noResize="1" noEditPoints="1" noAdjustHandles="1" noChangeArrowheads="1" noChangeShapeType="1" noTextEdit="1"/>
+          </p:cNvSpPr>
+          <p:nvPr>
+            <p:extLst>
+              <p:ext uri="{386F3935-93C4-4BCD-93E2-E3B085C9AB24}">
+                <p16:designElem xmlns:p16="http://schemas.microsoft.com/office/powerpoint/2015/main" val="1"/>
+              </p:ext>
+            </p:extLst>
+          </p:nvPr>
+        </p:nvSpPr>
+        <p:spPr>
+          <a:xfrm>
+            <a:off x="0" y="0"/>
+            <a:ext cx="3284331" cy="6858000"/>
+          </a:xfrm>
+          <a:custGeom>
+            <a:avLst/>
+            <a:gdLst>
+              <a:gd name="connsiteX0" fmla="*/ 0 w 4319042"/>
+              <a:gd name="connsiteY0" fmla="*/ 0 h 6858000"/>
+              <a:gd name="connsiteX1" fmla="*/ 1142888 w 4319042"/>
+              <a:gd name="connsiteY1" fmla="*/ 0 h 6858000"/>
+              <a:gd name="connsiteX2" fmla="*/ 4319042 w 4319042"/>
+              <a:gd name="connsiteY2" fmla="*/ 6858000 h 6858000"/>
+              <a:gd name="connsiteX3" fmla="*/ 0 w 4319042"/>
+              <a:gd name="connsiteY3" fmla="*/ 6858000 h 6858000"/>
+            </a:gdLst>
+            <a:ahLst/>
+            <a:cxnLst>
+              <a:cxn ang="0">
+                <a:pos x="connsiteX0" y="connsiteY0"/>
+              </a:cxn>
+              <a:cxn ang="0">
+                <a:pos x="connsiteX1" y="connsiteY1"/>
+              </a:cxn>
+              <a:cxn ang="0">
+                <a:pos x="connsiteX2" y="connsiteY2"/>
+              </a:cxn>
+              <a:cxn ang="0">
+                <a:pos x="connsiteX3" y="connsiteY3"/>
+              </a:cxn>
+            </a:cxnLst>
+            <a:rect l="l" t="t" r="r" b="b"/>
+            <a:pathLst>
+              <a:path w="4319042" h="6858000">
+                <a:moveTo>
+                  <a:pt x="0" y="0"/>
+                </a:moveTo>
+                <a:lnTo>
+                  <a:pt x="1142888" y="0"/>
+                </a:lnTo>
+                <a:lnTo>
+                  <a:pt x="4319042" y="6858000"/>
+                </a:lnTo>
+                <a:lnTo>
+                  <a:pt x="0" y="6858000"/>
+                </a:lnTo>
+                <a:close/>
+              </a:path>
+            </a:pathLst>
+          </a:custGeom>
+          <a:solidFill>
+            <a:schemeClr val="tx1">
+              <a:alpha val="35000"/>
+            </a:schemeClr>
+          </a:solidFill>
+          <a:ln>
+            <a:noFill/>
+          </a:ln>
+        </p:spPr>
+        <p:style>
+          <a:lnRef idx="2">
+            <a:schemeClr val="accent1">
+              <a:shade val="50000"/>
+            </a:schemeClr>
+          </a:lnRef>
+          <a:fillRef idx="1">
+            <a:schemeClr val="accent1"/>
+          </a:fillRef>
+          <a:effectRef idx="0">
+            <a:schemeClr val="accent1"/>
+          </a:effectRef>
+          <a:fontRef idx="minor">
+            <a:schemeClr val="lt1"/>
+          </a:fontRef>
+        </p:style>
+        <p:txBody>
+          <a:bodyPr wrap="square" rtlCol="0" anchor="ctr">
+            <a:noAutofit/>
+          </a:bodyPr>
+          <a:lstStyle/>
+          <a:p>
+            <a:pPr marL="0" marR="0" lvl="0" indent="0" algn="ctr" defTabSz="914400" rtl="0" eaLnBrk="1" fontAlgn="auto" latinLnBrk="0" hangingPunct="1">
+              <a:lnSpc>
+                <a:spcPct val="100000"/>
+              </a:lnSpc>
+              <a:spcBef>
+                <a:spcPts val="0"/>
+              </a:spcBef>
+              <a:spcAft>
+                <a:spcPts val="0"/>
+              </a:spcAft>
+              <a:buClrTx/>
+              <a:buSzTx/>
+              <a:buFontTx/>
+              <a:buNone/>
+              <a:tabLst/>
+              <a:defRPr/>
+            </a:pPr>
+            <a:endParaRPr kumimoji="0" lang="en-US" sz="1800" b="0" i="0" u="none" strike="noStrike" kern="1200" cap="none" spc="0" normalizeH="0" baseline="0" noProof="0">
+              <a:ln>
+                <a:noFill/>
+              </a:ln>
+              <a:solidFill>
+                <a:prstClr val="white"/>
+              </a:solidFill>
+              <a:effectLst/>
+              <a:uLnTx/>
+              <a:uFillTx/>
+              <a:latin typeface="Calibri" panose="020F0502020204030204"/>
+              <a:ea typeface="+mn-ea"/>
+              <a:cs typeface="+mn-cs"/>
+            </a:endParaRPr>
+          </a:p>
+        </p:txBody>
+      </p:sp>
+      <p:sp>
+        <p:nvSpPr>
+          <p:cNvPr id="2" name="Title 1">
+            <a:extLst>
+              <a:ext uri="{FF2B5EF4-FFF2-40B4-BE49-F238E27FC236}">
+                <a16:creationId xmlns:a16="http://schemas.microsoft.com/office/drawing/2014/main" id="{045B021A-3AD1-419F-854B-6865D0AC7268}"/>
+              </a:ext>
+            </a:extLst>
+          </p:cNvPr>
+          <p:cNvSpPr>
+            <a:spLocks noGrp="1"/>
+          </p:cNvSpPr>
+          <p:nvPr>
+            <p:ph type="title"/>
+          </p:nvPr>
+        </p:nvSpPr>
+        <p:spPr>
+          <a:xfrm>
+            <a:off x="252222" y="687705"/>
+            <a:ext cx="4548378" cy="5257800"/>
+          </a:xfrm>
+        </p:spPr>
+        <p:txBody>
+          <a:bodyPr>
+            <a:normAutofit/>
+          </a:bodyPr>
+          <a:lstStyle/>
+          <a:p>
+            <a:r>
+              <a:rPr lang="en-US" dirty="0">
+                <a:solidFill>
+                  <a:schemeClr val="bg1"/>
+                </a:solidFill>
+              </a:rPr>
+              <a:t>Cod </a:t>
+            </a:r>
+            <a:r>
+              <a:rPr lang="en-US" dirty="0" err="1">
+                <a:solidFill>
+                  <a:schemeClr val="bg1"/>
+                </a:solidFill>
+              </a:rPr>
+              <a:t>Sursa</a:t>
+            </a:r>
+            <a:endParaRPr lang="en-US" dirty="0">
+              <a:solidFill>
+                <a:schemeClr val="bg1"/>
+              </a:solidFill>
+            </a:endParaRPr>
+          </a:p>
+        </p:txBody>
+      </p:sp>
+      <p:sp>
+        <p:nvSpPr>
+          <p:cNvPr id="11" name="TextBox 10">
+            <a:extLst>
+              <a:ext uri="{FF2B5EF4-FFF2-40B4-BE49-F238E27FC236}">
+                <a16:creationId xmlns:a16="http://schemas.microsoft.com/office/drawing/2014/main" id="{6074FF67-05C3-4106-9A46-07F09C46EA04}"/>
+              </a:ext>
+            </a:extLst>
+          </p:cNvPr>
+          <p:cNvSpPr txBox="1"/>
+          <p:nvPr/>
+        </p:nvSpPr>
+        <p:spPr>
+          <a:xfrm>
+            <a:off x="5447047" y="3105834"/>
+            <a:ext cx="6096982" cy="646331"/>
+          </a:xfrm>
+          <a:prstGeom prst="rect">
+            <a:avLst/>
+          </a:prstGeom>
+          <a:noFill/>
+        </p:spPr>
+        <p:txBody>
+          <a:bodyPr wrap="square">
+            <a:spAutoFit/>
+          </a:bodyPr>
+          <a:lstStyle/>
+          <a:p>
+            <a:r>
+              <a:rPr lang="en-US" dirty="0" err="1">
+                <a:hlinkClick r:id="rId2"/>
+              </a:rPr>
+              <a:t>neaguandrei</a:t>
+            </a:r>
+            <a:r>
+              <a:rPr lang="en-US" dirty="0">
+                <a:hlinkClick r:id="rId2"/>
+              </a:rPr>
+              <a:t>/model-testing-</a:t>
+            </a:r>
+            <a:r>
+              <a:rPr lang="en-US" dirty="0" err="1">
+                <a:hlinkClick r:id="rId2"/>
+              </a:rPr>
+              <a:t>graphwalker</a:t>
+            </a:r>
+            <a:r>
+              <a:rPr lang="en-US" dirty="0">
+                <a:hlinkClick r:id="rId2"/>
+              </a:rPr>
+              <a:t>: </a:t>
+            </a:r>
+            <a:r>
+              <a:rPr lang="en-US" dirty="0" err="1">
+                <a:hlinkClick r:id="rId2"/>
+              </a:rPr>
+              <a:t>GraphWalker</a:t>
+            </a:r>
+            <a:r>
+              <a:rPr lang="en-US" dirty="0">
+                <a:hlinkClick r:id="rId2"/>
+              </a:rPr>
+              <a:t> - Model Testing - Spring User &amp; Notes Repository (github.com)</a:t>
+            </a:r>
+            <a:endParaRPr lang="en-US" dirty="0"/>
+          </a:p>
+        </p:txBody>
+      </p:sp>
+    </p:spTree>
+    <p:extLst>
+      <p:ext uri="{BB962C8B-B14F-4D97-AF65-F5344CB8AC3E}">
+        <p14:creationId xmlns:p14="http://schemas.microsoft.com/office/powerpoint/2010/main" val="3692438574"/>
+      </p:ext>
+    </p:extLst>
+  </p:cSld>
+  <p:clrMapOvr>
+    <a:masterClrMapping/>
+  </p:clrMapOvr>
+</p:sld>
+</file>
+
 <file path=ppt/slides/slide2.xml><?xml version="1.0" encoding="utf-8"?>
 <p:sld xmlns:a="http://schemas.openxmlformats.org/drawingml/2006/main" xmlns:r="http://schemas.openxmlformats.org/officeDocument/2006/relationships" xmlns:p="http://schemas.openxmlformats.org/presentationml/2006/main">
   <p:cSld>
